--- a/组会报告.pptx
+++ b/组会报告.pptx
@@ -13896,7 +13896,7 @@
         </p:nvSpPr>
         <p:spPr>
           <a:xfrm>
-            <a:off x="643140" y="1923120"/>
+            <a:off x="500940" y="1923120"/>
             <a:ext cx="7857720" cy="1540440"/>
           </a:xfrm>
           <a:prstGeom prst="rect">
@@ -13960,31 +13960,7 @@
                 <a:cs typeface="Calibri" panose="020F0502020204030204" pitchFamily="34" charset="0"/>
                 <a:sym typeface="Questrial"/>
               </a:rPr>
-              <a:t>last</a:t>
-            </a:r>
-            <a:r>
-              <a:rPr lang="zh-CN" altLang="en-US" sz="4000" b="1" dirty="0">
-                <a:solidFill>
-                  <a:srgbClr val="B95B22"/>
-                </a:solidFill>
-                <a:latin typeface="Consolas" panose="020B0609020204030204" pitchFamily="49" charset="0"/>
-                <a:ea typeface="Questrial"/>
-                <a:cs typeface="Calibri" panose="020F0502020204030204" pitchFamily="34" charset="0"/>
-                <a:sym typeface="Questrial"/>
-              </a:rPr>
-              <a:t> </a:t>
-            </a:r>
-            <a:r>
-              <a:rPr lang="en-US" altLang="zh-CN" sz="4000" b="1" dirty="0">
-                <a:solidFill>
-                  <a:srgbClr val="B95B22"/>
-                </a:solidFill>
-                <a:latin typeface="Consolas" panose="020B0609020204030204" pitchFamily="49" charset="0"/>
-                <a:ea typeface="Questrial"/>
-                <a:cs typeface="Calibri" panose="020F0502020204030204" pitchFamily="34" charset="0"/>
-                <a:sym typeface="Questrial"/>
-              </a:rPr>
-              <a:t>week</a:t>
+              <a:t>Previous work</a:t>
             </a:r>
             <a:endParaRPr sz="4000" b="0" i="0" u="none" strike="noStrike" cap="none" dirty="0">
               <a:solidFill>
@@ -14091,7 +14067,7 @@
               <a:buNone/>
             </a:pPr>
             <a:r>
-              <a:rPr lang="en-US" sz="2400" b="1" i="0" u="none" strike="noStrike" cap="none">
+              <a:rPr lang="en-US" sz="2400" b="1" i="0" u="none" strike="noStrike" cap="none" dirty="0">
                 <a:solidFill>
                   <a:srgbClr val="000000"/>
                 </a:solidFill>
@@ -14099,7 +14075,7 @@
                 <a:ea typeface="微软雅黑" panose="020B0503020204020204" pitchFamily="34" charset="-122"/>
                 <a:sym typeface="Arial" panose="02080604020202020204" charset="0"/>
               </a:rPr>
-              <a:t>2021年1月3日</a:t>
+              <a:t>2021年1月27日</a:t>
             </a:r>
             <a:endParaRPr sz="3200" b="0" i="0" u="none" strike="noStrike" cap="none" dirty="0">
               <a:solidFill>
@@ -14364,7 +14340,7 @@
           <a:bodyPr/>
           <a:lstStyle/>
           <a:p>
-            <a:pPr marL="514350" indent="-285750">
+            <a:pPr marL="571500" indent="-342900">
               <a:buFont typeface="Wingdings" panose="05000000000000000000" pitchFamily="2" charset="2"/>
               <a:buChar char="p"/>
             </a:pPr>
@@ -14374,7 +14350,7 @@
                 <a:ea typeface="微软雅黑" panose="020B0503020204020204" pitchFamily="34" charset="-122"/>
                 <a:cs typeface="Calibri" panose="020F0502020204030204" pitchFamily="34" charset="0"/>
               </a:rPr>
-              <a:t>上周工作总结：</a:t>
+              <a:t>现在工作的重点在于移植实时处理器到一个硬件平台上</a:t>
             </a:r>
             <a:endParaRPr lang="en-US" altLang="zh-CN" sz="1600" dirty="0">
               <a:latin typeface="Consolas" panose="020B0609020204030204" pitchFamily="49" charset="0"/>
@@ -14393,7 +14369,23 @@
                 <a:ea typeface="微软雅黑" panose="020B0503020204020204" pitchFamily="34" charset="-122"/>
                 <a:cs typeface="Calibri" panose="020F0502020204030204" pitchFamily="34" charset="0"/>
               </a:rPr>
-              <a:t>完成了自定义汇编器的设计，支持内联汇编</a:t>
+              <a:t>我负责的是一个交叉编译工具链的改编，使其可以支持内联汇编形式的</a:t>
+            </a:r>
+            <a:r>
+              <a:rPr lang="en-US" altLang="zh-CN" sz="1600" dirty="0">
+                <a:latin typeface="Consolas" panose="020B0609020204030204" pitchFamily="49" charset="0"/>
+                <a:ea typeface="微软雅黑" panose="020B0503020204020204" pitchFamily="34" charset="-122"/>
+                <a:cs typeface="Calibri" panose="020F0502020204030204" pitchFamily="34" charset="0"/>
+              </a:rPr>
+              <a:t>TTL</a:t>
+            </a:r>
+            <a:r>
+              <a:rPr lang="zh-CN" altLang="en-US" sz="1600" dirty="0">
+                <a:latin typeface="Consolas" panose="020B0609020204030204" pitchFamily="49" charset="0"/>
+                <a:ea typeface="微软雅黑" panose="020B0503020204020204" pitchFamily="34" charset="-122"/>
+                <a:cs typeface="Calibri" panose="020F0502020204030204" pitchFamily="34" charset="0"/>
+              </a:rPr>
+              <a:t>指令</a:t>
             </a:r>
             <a:endParaRPr lang="en-US" altLang="zh-CN" sz="1600" dirty="0">
               <a:latin typeface="Consolas" panose="020B0609020204030204" pitchFamily="49" charset="0"/>
@@ -14412,51 +14404,8 @@
                 <a:ea typeface="微软雅黑" panose="020B0503020204020204" pitchFamily="34" charset="-122"/>
                 <a:cs typeface="Calibri" panose="020F0502020204030204" pitchFamily="34" charset="0"/>
               </a:rPr>
-              <a:t>调研了</a:t>
+              <a:t>目前内联汇编的功能已经实现</a:t>
             </a:r>
-            <a:r>
-              <a:rPr lang="en-US" altLang="zh-CN" sz="1600" dirty="0">
-                <a:latin typeface="Consolas" panose="020B0609020204030204" pitchFamily="49" charset="0"/>
-                <a:ea typeface="微软雅黑" panose="020B0503020204020204" pitchFamily="34" charset="-122"/>
-                <a:cs typeface="Calibri" panose="020F0502020204030204" pitchFamily="34" charset="0"/>
-              </a:rPr>
-              <a:t>bin</a:t>
-            </a:r>
-            <a:r>
-              <a:rPr lang="zh-CN" altLang="en-US" sz="1600" dirty="0">
-                <a:latin typeface="Consolas" panose="020B0609020204030204" pitchFamily="49" charset="0"/>
-                <a:ea typeface="微软雅黑" panose="020B0503020204020204" pitchFamily="34" charset="-122"/>
-                <a:cs typeface="Calibri" panose="020F0502020204030204" pitchFamily="34" charset="0"/>
-              </a:rPr>
-              <a:t>生成</a:t>
-            </a:r>
-            <a:r>
-              <a:rPr lang="en-US" altLang="zh-CN" sz="1600" dirty="0" err="1">
-                <a:latin typeface="Consolas" panose="020B0609020204030204" pitchFamily="49" charset="0"/>
-                <a:ea typeface="微软雅黑" panose="020B0503020204020204" pitchFamily="34" charset="-122"/>
-                <a:cs typeface="Calibri" panose="020F0502020204030204" pitchFamily="34" charset="0"/>
-              </a:rPr>
-              <a:t>coe</a:t>
-            </a:r>
-            <a:r>
-              <a:rPr lang="zh-CN" altLang="en-US" sz="1600" dirty="0">
-                <a:latin typeface="Consolas" panose="020B0609020204030204" pitchFamily="49" charset="0"/>
-                <a:ea typeface="微软雅黑" panose="020B0503020204020204" pitchFamily="34" charset="-122"/>
-                <a:cs typeface="Calibri" panose="020F0502020204030204" pitchFamily="34" charset="0"/>
-              </a:rPr>
-              <a:t>文件的方法</a:t>
-            </a:r>
-            <a:endParaRPr lang="en-US" altLang="zh-CN" sz="1600" dirty="0">
-              <a:latin typeface="Consolas" panose="020B0609020204030204" pitchFamily="49" charset="0"/>
-              <a:ea typeface="微软雅黑" panose="020B0503020204020204" pitchFamily="34" charset="-122"/>
-              <a:cs typeface="Calibri" panose="020F0502020204030204" pitchFamily="34" charset="0"/>
-            </a:endParaRPr>
-          </a:p>
-          <a:p>
-            <a:pPr marL="571500" indent="-342900">
-              <a:buFont typeface="Wingdings" panose="05000000000000000000" pitchFamily="2" charset="2"/>
-              <a:buChar char="p"/>
-            </a:pPr>
             <a:endParaRPr lang="en-US" altLang="zh-CN" sz="1600" dirty="0">
               <a:latin typeface="Consolas" panose="020B0609020204030204" pitchFamily="49" charset="0"/>
               <a:ea typeface="微软雅黑" panose="020B0503020204020204" pitchFamily="34" charset="-122"/>
@@ -14971,7 +14920,7 @@
         </p:nvSpPr>
         <p:spPr>
           <a:xfrm>
-            <a:off x="228600" y="169558"/>
+            <a:off x="159089" y="188640"/>
             <a:ext cx="6327360" cy="612360"/>
           </a:xfrm>
           <a:prstGeom prst="rect">
@@ -15014,7 +14963,7 @@
                 </a:solidFill>
                 <a:latin typeface="Consolas" panose="020B0609020204030204" pitchFamily="49" charset="0"/>
               </a:rPr>
-              <a:t>完成了汇编器的设计</a:t>
+              <a:t>完成了汇编器的改造</a:t>
             </a:r>
             <a:endParaRPr lang="zh-CN" altLang="en-US" sz="1600" dirty="0">
               <a:latin typeface="Consolas" panose="020B0609020204030204" pitchFamily="49" charset="0"/>
@@ -15298,7 +15247,23 @@
                 <a:ea typeface="微软雅黑" panose="020B0503020204020204" pitchFamily="34" charset="-122"/>
                 <a:cs typeface="Calibri" panose="020F0502020204030204" pitchFamily="34" charset="0"/>
               </a:rPr>
-              <a:t>这是一个开源的，面向嵌入式系统的运行库</a:t>
+              <a:t>并非</a:t>
+            </a:r>
+            <a:r>
+              <a:rPr lang="en-US" altLang="zh-CN" sz="1600" dirty="0">
+                <a:latin typeface="Consolas" panose="020B0609020204030204" pitchFamily="49" charset="0"/>
+                <a:ea typeface="微软雅黑" panose="020B0503020204020204" pitchFamily="34" charset="-122"/>
+                <a:cs typeface="Calibri" panose="020F0502020204030204" pitchFamily="34" charset="0"/>
+              </a:rPr>
+              <a:t>Linux</a:t>
+            </a:r>
+            <a:r>
+              <a:rPr lang="zh-CN" altLang="en-US" sz="1600" dirty="0">
+                <a:latin typeface="Consolas" panose="020B0609020204030204" pitchFamily="49" charset="0"/>
+                <a:ea typeface="微软雅黑" panose="020B0503020204020204" pitchFamily="34" charset="-122"/>
+                <a:cs typeface="Calibri" panose="020F0502020204030204" pitchFamily="34" charset="0"/>
+              </a:rPr>
+              <a:t>系统自带的动态链接库，常用于嵌入式设备</a:t>
             </a:r>
             <a:endParaRPr lang="en-US" altLang="zh-CN" sz="1600" dirty="0">
               <a:latin typeface="Consolas" panose="020B0609020204030204" pitchFamily="49" charset="0"/>
@@ -15307,7 +15272,7 @@
             </a:endParaRPr>
           </a:p>
           <a:p>
-            <a:pPr marL="971550" lvl="1" indent="-285750">
+            <a:pPr marL="514350" indent="-285750">
               <a:buFont typeface="Wingdings" panose="05000000000000000000" pitchFamily="2" charset="2"/>
               <a:buChar char="p"/>
             </a:pPr>
@@ -15317,7 +15282,7 @@
                 <a:ea typeface="微软雅黑" panose="020B0503020204020204" pitchFamily="34" charset="-122"/>
                 <a:cs typeface="Calibri" panose="020F0502020204030204" pitchFamily="34" charset="0"/>
               </a:rPr>
-              <a:t>我们的产品上不会运行一个操作系统，所以需要采用静态链接，这样就会造成链接生成的可执行文件较大的弊端</a:t>
+              <a:t>编译器支持静态编译选项，可以将动态链接库和源代码汇编生成一个大的目标代码，这样就可以在裸机上运行程序</a:t>
             </a:r>
             <a:endParaRPr lang="en-US" altLang="zh-CN" sz="1600" dirty="0">
               <a:latin typeface="Consolas" panose="020B0609020204030204" pitchFamily="49" charset="0"/>
@@ -15326,7 +15291,7 @@
             </a:endParaRPr>
           </a:p>
           <a:p>
-            <a:pPr marL="971550" lvl="1" indent="-285750">
+            <a:pPr marL="514350" indent="-285750">
               <a:buFont typeface="Wingdings" panose="05000000000000000000" pitchFamily="2" charset="2"/>
               <a:buChar char="p"/>
             </a:pPr>
@@ -15336,8 +15301,35 @@
                 <a:ea typeface="微软雅黑" panose="020B0503020204020204" pitchFamily="34" charset="-122"/>
                 <a:cs typeface="Calibri" panose="020F0502020204030204" pitchFamily="34" charset="0"/>
               </a:rPr>
-              <a:t>我们的工具链貌似只能进行静态链接。。</a:t>
+              <a:t>定义了编译器</a:t>
             </a:r>
+            <a:r>
+              <a:rPr lang="en-US" altLang="zh-CN" sz="1600" dirty="0">
+                <a:latin typeface="Consolas" panose="020B0609020204030204" pitchFamily="49" charset="0"/>
+                <a:ea typeface="微软雅黑" panose="020B0503020204020204" pitchFamily="34" charset="-122"/>
+                <a:cs typeface="Calibri" panose="020F0502020204030204" pitchFamily="34" charset="0"/>
+              </a:rPr>
+              <a:t>-</a:t>
+            </a:r>
+            <a:r>
+              <a:rPr lang="zh-CN" altLang="en-US" sz="1600" dirty="0">
+                <a:latin typeface="Consolas" panose="020B0609020204030204" pitchFamily="49" charset="0"/>
+                <a:ea typeface="微软雅黑" panose="020B0503020204020204" pitchFamily="34" charset="-122"/>
+                <a:cs typeface="Calibri" panose="020F0502020204030204" pitchFamily="34" charset="0"/>
+              </a:rPr>
+              <a:t>程序员的编程接口，在已有的指令基础上做了若干修改</a:t>
+            </a:r>
+            <a:endParaRPr lang="en-US" altLang="zh-CN" sz="1600" dirty="0">
+              <a:latin typeface="Consolas" panose="020B0609020204030204" pitchFamily="49" charset="0"/>
+              <a:ea typeface="微软雅黑" panose="020B0503020204020204" pitchFamily="34" charset="-122"/>
+              <a:cs typeface="Calibri" panose="020F0502020204030204" pitchFamily="34" charset="0"/>
+            </a:endParaRPr>
+          </a:p>
+          <a:p>
+            <a:pPr marL="514350" indent="-285750">
+              <a:buFont typeface="Wingdings" panose="05000000000000000000" pitchFamily="2" charset="2"/>
+              <a:buChar char="p"/>
+            </a:pPr>
             <a:endParaRPr lang="en-US" altLang="zh-CN" sz="1600" dirty="0">
               <a:latin typeface="Consolas" panose="020B0609020204030204" pitchFamily="49" charset="0"/>
               <a:ea typeface="微软雅黑" panose="020B0503020204020204" pitchFamily="34" charset="-122"/>
@@ -15630,12 +15622,20 @@
               <a:buChar char="p"/>
             </a:pPr>
             <a:r>
-              <a:rPr lang="en-US" altLang="zh-CN" sz="1600" dirty="0">
+              <a:rPr lang="zh-CN" altLang="en-US" sz="1600" dirty="0">
                 <a:latin typeface="Consolas" panose="020B0609020204030204" pitchFamily="49" charset="0"/>
                 <a:ea typeface="微软雅黑" panose="020B0503020204020204" pitchFamily="34" charset="-122"/>
                 <a:cs typeface="Calibri" panose="020F0502020204030204" pitchFamily="34" charset="0"/>
               </a:rPr>
-              <a:t>Coe</a:t>
+              <a:t>目前使用较为广泛的方式是手写一段代码，可以是</a:t>
+            </a:r>
+            <a:r>
+              <a:rPr lang="en-US" altLang="zh-CN" sz="1600" dirty="0" err="1">
+                <a:latin typeface="Consolas" panose="020B0609020204030204" pitchFamily="49" charset="0"/>
+                <a:ea typeface="微软雅黑" panose="020B0503020204020204" pitchFamily="34" charset="-122"/>
+                <a:cs typeface="Calibri" panose="020F0502020204030204" pitchFamily="34" charset="0"/>
+              </a:rPr>
+              <a:t>matlab</a:t>
             </a:r>
             <a:r>
               <a:rPr lang="zh-CN" altLang="en-US" sz="1600" dirty="0">
@@ -15643,7 +15643,7 @@
                 <a:ea typeface="微软雅黑" panose="020B0503020204020204" pitchFamily="34" charset="-122"/>
                 <a:cs typeface="Calibri" panose="020F0502020204030204" pitchFamily="34" charset="0"/>
               </a:rPr>
-              <a:t>文件的格式：本质上是一个</a:t>
+              <a:t>或者说</a:t>
             </a:r>
             <a:r>
               <a:rPr lang="en-US" altLang="zh-CN" sz="1600" dirty="0">
@@ -15651,7 +15651,7 @@
                 <a:ea typeface="微软雅黑" panose="020B0503020204020204" pitchFamily="34" charset="-122"/>
                 <a:cs typeface="Calibri" panose="020F0502020204030204" pitchFamily="34" charset="0"/>
               </a:rPr>
-              <a:t>vector</a:t>
+              <a:t>C</a:t>
             </a:r>
             <a:r>
               <a:rPr lang="zh-CN" altLang="en-US" sz="1600" dirty="0">
@@ -15659,7 +15659,23 @@
                 <a:ea typeface="微软雅黑" panose="020B0503020204020204" pitchFamily="34" charset="-122"/>
                 <a:cs typeface="Calibri" panose="020F0502020204030204" pitchFamily="34" charset="0"/>
               </a:rPr>
-              <a:t>，每个元素是一个内存单元的值</a:t>
+              <a:t>语言，将文件转化为</a:t>
+            </a:r>
+            <a:r>
+              <a:rPr lang="en-US" altLang="zh-CN" sz="1600" dirty="0" err="1">
+                <a:latin typeface="Consolas" panose="020B0609020204030204" pitchFamily="49" charset="0"/>
+                <a:ea typeface="微软雅黑" panose="020B0503020204020204" pitchFamily="34" charset="-122"/>
+                <a:cs typeface="Calibri" panose="020F0502020204030204" pitchFamily="34" charset="0"/>
+              </a:rPr>
+              <a:t>coe</a:t>
+            </a:r>
+            <a:r>
+              <a:rPr lang="zh-CN" altLang="en-US" sz="1600" dirty="0">
+                <a:latin typeface="Consolas" panose="020B0609020204030204" pitchFamily="49" charset="0"/>
+                <a:ea typeface="微软雅黑" panose="020B0503020204020204" pitchFamily="34" charset="-122"/>
+                <a:cs typeface="Calibri" panose="020F0502020204030204" pitchFamily="34" charset="0"/>
+              </a:rPr>
+              <a:t>文件</a:t>
             </a:r>
             <a:endParaRPr lang="en-US" altLang="zh-CN" sz="1600" dirty="0">
               <a:latin typeface="Consolas" panose="020B0609020204030204" pitchFamily="49" charset="0"/>
@@ -15672,6 +15688,65 @@
               <a:buFont typeface="Wingdings" panose="05000000000000000000" pitchFamily="2" charset="2"/>
               <a:buChar char="p"/>
             </a:pPr>
+            <a:r>
+              <a:rPr lang="zh-CN" altLang="en-US" sz="1600" dirty="0">
+                <a:latin typeface="Consolas" panose="020B0609020204030204" pitchFamily="49" charset="0"/>
+                <a:ea typeface="微软雅黑" panose="020B0503020204020204" pitchFamily="34" charset="-122"/>
+                <a:cs typeface="Calibri" panose="020F0502020204030204" pitchFamily="34" charset="0"/>
+              </a:rPr>
+              <a:t>这一部分的工作正在调研当中，应该可以在寒假期间完成</a:t>
+            </a:r>
+            <a:endParaRPr lang="en-US" altLang="zh-CN" sz="1600" dirty="0">
+              <a:latin typeface="Consolas" panose="020B0609020204030204" pitchFamily="49" charset="0"/>
+              <a:ea typeface="微软雅黑" panose="020B0503020204020204" pitchFamily="34" charset="-122"/>
+              <a:cs typeface="Calibri" panose="020F0502020204030204" pitchFamily="34" charset="0"/>
+            </a:endParaRPr>
+          </a:p>
+          <a:p>
+            <a:pPr marL="514350" indent="-285750">
+              <a:buFont typeface="Wingdings" panose="05000000000000000000" pitchFamily="2" charset="2"/>
+              <a:buChar char="p"/>
+            </a:pPr>
+            <a:r>
+              <a:rPr lang="zh-CN" altLang="en-US" sz="1600" dirty="0">
+                <a:latin typeface="Consolas" panose="020B0609020204030204" pitchFamily="49" charset="0"/>
+                <a:ea typeface="微软雅黑" panose="020B0503020204020204" pitchFamily="34" charset="-122"/>
+                <a:cs typeface="Calibri" panose="020F0502020204030204" pitchFamily="34" charset="0"/>
+              </a:rPr>
+              <a:t>或者求助于</a:t>
+            </a:r>
+            <a:r>
+              <a:rPr lang="en-US" altLang="zh-CN" sz="1600" dirty="0">
+                <a:latin typeface="Consolas" panose="020B0609020204030204" pitchFamily="49" charset="0"/>
+                <a:ea typeface="微软雅黑" panose="020B0503020204020204" pitchFamily="34" charset="-122"/>
+                <a:cs typeface="Calibri" panose="020F0502020204030204" pitchFamily="34" charset="0"/>
+              </a:rPr>
+              <a:t>bin</a:t>
+            </a:r>
+            <a:r>
+              <a:rPr lang="zh-CN" altLang="en-US" sz="1600" dirty="0">
+                <a:latin typeface="Consolas" panose="020B0609020204030204" pitchFamily="49" charset="0"/>
+                <a:ea typeface="微软雅黑" panose="020B0503020204020204" pitchFamily="34" charset="-122"/>
+                <a:cs typeface="Calibri" panose="020F0502020204030204" pitchFamily="34" charset="0"/>
+              </a:rPr>
+              <a:t>转</a:t>
+            </a:r>
+            <a:r>
+              <a:rPr lang="en-US" altLang="zh-CN" sz="1600" dirty="0" err="1">
+                <a:latin typeface="Consolas" panose="020B0609020204030204" pitchFamily="49" charset="0"/>
+                <a:ea typeface="微软雅黑" panose="020B0503020204020204" pitchFamily="34" charset="-122"/>
+                <a:cs typeface="Calibri" panose="020F0502020204030204" pitchFamily="34" charset="0"/>
+              </a:rPr>
+              <a:t>coe</a:t>
+            </a:r>
+            <a:r>
+              <a:rPr lang="zh-CN" altLang="en-US" sz="1600" dirty="0">
+                <a:latin typeface="Consolas" panose="020B0609020204030204" pitchFamily="49" charset="0"/>
+                <a:ea typeface="微软雅黑" panose="020B0503020204020204" pitchFamily="34" charset="-122"/>
+                <a:cs typeface="Calibri" panose="020F0502020204030204" pitchFamily="34" charset="0"/>
+              </a:rPr>
+              <a:t>的工具，这样比较快，但是目前还没有找到这方面的工具</a:t>
+            </a:r>
             <a:endParaRPr lang="en-US" altLang="zh-CN" sz="1600" dirty="0">
               <a:latin typeface="Consolas" panose="020B0609020204030204" pitchFamily="49" charset="0"/>
               <a:ea typeface="微软雅黑" panose="020B0503020204020204" pitchFamily="34" charset="-122"/>
@@ -15734,27 +15809,7 @@
                 <a:latin typeface="Consolas" panose="020B0609020204030204" pitchFamily="49" charset="0"/>
                 <a:ea typeface="微软雅黑" panose="020B0503020204020204" pitchFamily="34" charset="-122"/>
               </a:rPr>
-              <a:t>调研</a:t>
-            </a:r>
-            <a:r>
-              <a:rPr lang="en-US" altLang="zh-CN" sz="2800" b="1" dirty="0">
-                <a:solidFill>
-                  <a:srgbClr val="B95B22"/>
-                </a:solidFill>
-                <a:latin typeface="Consolas" panose="020B0609020204030204" pitchFamily="49" charset="0"/>
-                <a:ea typeface="微软雅黑" panose="020B0503020204020204" pitchFamily="34" charset="-122"/>
-              </a:rPr>
-              <a:t>bin</a:t>
-            </a:r>
-            <a:r>
-              <a:rPr lang="zh-CN" altLang="en-US" sz="2800" b="1" dirty="0">
-                <a:solidFill>
-                  <a:srgbClr val="B95B22"/>
-                </a:solidFill>
-                <a:latin typeface="Consolas" panose="020B0609020204030204" pitchFamily="49" charset="0"/>
-                <a:ea typeface="微软雅黑" panose="020B0503020204020204" pitchFamily="34" charset="-122"/>
-              </a:rPr>
-              <a:t>生成</a:t>
+              <a:t>从可执行文件到</a:t>
             </a:r>
             <a:r>
               <a:rPr lang="en-US" altLang="zh-CN" sz="2800" b="1" dirty="0" err="1">
@@ -15765,16 +15820,6 @@
                 <a:ea typeface="微软雅黑" panose="020B0503020204020204" pitchFamily="34" charset="-122"/>
               </a:rPr>
               <a:t>coe</a:t>
-            </a:r>
-            <a:r>
-              <a:rPr lang="zh-CN" altLang="en-US" sz="2800" b="1" dirty="0">
-                <a:solidFill>
-                  <a:srgbClr val="B95B22"/>
-                </a:solidFill>
-                <a:latin typeface="Consolas" panose="020B0609020204030204" pitchFamily="49" charset="0"/>
-                <a:ea typeface="微软雅黑" panose="020B0503020204020204" pitchFamily="34" charset="-122"/>
-              </a:rPr>
-              <a:t>文件的相关工程问题</a:t>
             </a:r>
             <a:endParaRPr lang="zh-CN" altLang="en-US" sz="1600" dirty="0">
               <a:latin typeface="Consolas" panose="020B0609020204030204" pitchFamily="49" charset="0"/>
@@ -16042,7 +16087,42 @@
               <a:buChar char="p"/>
             </a:pPr>
             <a:r>
-              <a:rPr lang="zh-CN" altLang="en-US" sz="1600">
+              <a:rPr lang="zh-CN" altLang="en-US" sz="1600" dirty="0">
+                <a:latin typeface="Consolas" panose="020B0609020204030204" pitchFamily="49" charset="0"/>
+                <a:ea typeface="微软雅黑" panose="020B0503020204020204" pitchFamily="34" charset="-122"/>
+                <a:cs typeface="Calibri" panose="020F0502020204030204" pitchFamily="34" charset="0"/>
+              </a:rPr>
+              <a:t>对于交叉编译生成的代码，调试的方法貌似只有</a:t>
+            </a:r>
+            <a:r>
+              <a:rPr lang="en-US" altLang="zh-CN" sz="1600" dirty="0" err="1">
+                <a:latin typeface="Consolas" panose="020B0609020204030204" pitchFamily="49" charset="0"/>
+                <a:ea typeface="微软雅黑" panose="020B0503020204020204" pitchFamily="34" charset="-122"/>
+                <a:cs typeface="Calibri" panose="020F0502020204030204" pitchFamily="34" charset="0"/>
+              </a:rPr>
+              <a:t>gdb</a:t>
+            </a:r>
+            <a:r>
+              <a:rPr lang="zh-CN" altLang="en-US" sz="1600" dirty="0">
+                <a:latin typeface="Consolas" panose="020B0609020204030204" pitchFamily="49" charset="0"/>
+                <a:ea typeface="微软雅黑" panose="020B0503020204020204" pitchFamily="34" charset="-122"/>
+                <a:cs typeface="Calibri" panose="020F0502020204030204" pitchFamily="34" charset="0"/>
+              </a:rPr>
+              <a:t>可以用</a:t>
+            </a:r>
+            <a:endParaRPr lang="en-US" altLang="zh-CN" sz="1600" dirty="0">
+              <a:latin typeface="Consolas" panose="020B0609020204030204" pitchFamily="49" charset="0"/>
+              <a:ea typeface="微软雅黑" panose="020B0503020204020204" pitchFamily="34" charset="-122"/>
+              <a:cs typeface="Calibri" panose="020F0502020204030204" pitchFamily="34" charset="0"/>
+            </a:endParaRPr>
+          </a:p>
+          <a:p>
+            <a:pPr marL="971550" lvl="1" indent="-285750">
+              <a:buFont typeface="Wingdings" panose="05000000000000000000" pitchFamily="2" charset="2"/>
+              <a:buChar char="p"/>
+            </a:pPr>
+            <a:r>
+              <a:rPr lang="zh-CN" altLang="en-US" sz="1600" dirty="0">
                 <a:latin typeface="Consolas" panose="020B0609020204030204" pitchFamily="49" charset="0"/>
                 <a:ea typeface="微软雅黑" panose="020B0503020204020204" pitchFamily="34" charset="-122"/>
                 <a:cs typeface="Calibri" panose="020F0502020204030204" pitchFamily="34" charset="0"/>
@@ -16054,6 +16134,190 @@
               <a:ea typeface="微软雅黑" panose="020B0503020204020204" pitchFamily="34" charset="-122"/>
               <a:cs typeface="Calibri" panose="020F0502020204030204" pitchFamily="34" charset="0"/>
             </a:endParaRPr>
+          </a:p>
+          <a:p>
+            <a:pPr marL="971550" lvl="1" indent="-285750">
+              <a:buFont typeface="Wingdings" panose="05000000000000000000" pitchFamily="2" charset="2"/>
+              <a:buChar char="p"/>
+            </a:pPr>
+            <a:r>
+              <a:rPr lang="zh-CN" altLang="en-US" sz="1600" dirty="0">
+                <a:latin typeface="Consolas" panose="020B0609020204030204" pitchFamily="49" charset="0"/>
+                <a:ea typeface="微软雅黑" panose="020B0503020204020204" pitchFamily="34" charset="-122"/>
+                <a:cs typeface="Calibri" panose="020F0502020204030204" pitchFamily="34" charset="0"/>
+              </a:rPr>
+              <a:t>硬件多线程与软件多线程</a:t>
+            </a:r>
+            <a:endParaRPr lang="en-US" altLang="zh-CN" sz="1600" dirty="0">
+              <a:latin typeface="Consolas" panose="020B0609020204030204" pitchFamily="49" charset="0"/>
+              <a:ea typeface="微软雅黑" panose="020B0503020204020204" pitchFamily="34" charset="-122"/>
+              <a:cs typeface="Calibri" panose="020F0502020204030204" pitchFamily="34" charset="0"/>
+            </a:endParaRPr>
+          </a:p>
+          <a:p>
+            <a:pPr marL="1428750" lvl="2" indent="-285750">
+              <a:buFont typeface="Wingdings" panose="05000000000000000000" pitchFamily="2" charset="2"/>
+              <a:buChar char="p"/>
+            </a:pPr>
+            <a:r>
+              <a:rPr lang="zh-CN" altLang="en-US" sz="1600" dirty="0">
+                <a:latin typeface="Consolas" panose="020B0609020204030204" pitchFamily="49" charset="0"/>
+                <a:ea typeface="微软雅黑" panose="020B0503020204020204" pitchFamily="34" charset="-122"/>
+                <a:cs typeface="Calibri" panose="020F0502020204030204" pitchFamily="34" charset="0"/>
+              </a:rPr>
+              <a:t>这里实现了硬件多线程，可以避免保存现场</a:t>
+            </a:r>
+            <a:endParaRPr lang="en-US" altLang="zh-CN" sz="1600" dirty="0">
+              <a:latin typeface="Consolas" panose="020B0609020204030204" pitchFamily="49" charset="0"/>
+              <a:ea typeface="微软雅黑" panose="020B0503020204020204" pitchFamily="34" charset="-122"/>
+              <a:cs typeface="Calibri" panose="020F0502020204030204" pitchFamily="34" charset="0"/>
+            </a:endParaRPr>
+          </a:p>
+          <a:p>
+            <a:pPr marL="1428750" lvl="2" indent="-285750">
+              <a:buFont typeface="Wingdings" panose="05000000000000000000" pitchFamily="2" charset="2"/>
+              <a:buChar char="p"/>
+            </a:pPr>
+            <a:r>
+              <a:rPr lang="zh-CN" altLang="en-US" sz="1600" dirty="0">
+                <a:latin typeface="Consolas" panose="020B0609020204030204" pitchFamily="49" charset="0"/>
+                <a:ea typeface="微软雅黑" panose="020B0503020204020204" pitchFamily="34" charset="-122"/>
+                <a:cs typeface="Calibri" panose="020F0502020204030204" pitchFamily="34" charset="0"/>
+              </a:rPr>
+              <a:t>但是由于硬件数目的限制，导致调度的线程存在限制</a:t>
+            </a:r>
+            <a:endParaRPr lang="en-US" altLang="zh-CN" sz="1600" dirty="0">
+              <a:latin typeface="Consolas" panose="020B0609020204030204" pitchFamily="49" charset="0"/>
+              <a:ea typeface="微软雅黑" panose="020B0503020204020204" pitchFamily="34" charset="-122"/>
+              <a:cs typeface="Calibri" panose="020F0502020204030204" pitchFamily="34" charset="0"/>
+            </a:endParaRPr>
+          </a:p>
+          <a:p>
+            <a:pPr marL="971550" lvl="1" indent="-285750">
+              <a:buFont typeface="Wingdings" panose="05000000000000000000" pitchFamily="2" charset="2"/>
+              <a:buChar char="p"/>
+            </a:pPr>
+            <a:r>
+              <a:rPr lang="zh-CN" altLang="en-US" sz="1600" dirty="0">
+                <a:latin typeface="Consolas" panose="020B0609020204030204" pitchFamily="49" charset="0"/>
+                <a:ea typeface="微软雅黑" panose="020B0503020204020204" pitchFamily="34" charset="-122"/>
+                <a:cs typeface="Calibri" panose="020F0502020204030204" pitchFamily="34" charset="0"/>
+              </a:rPr>
+              <a:t>多线程调度的模拟</a:t>
+            </a:r>
+            <a:endParaRPr lang="en-US" altLang="zh-CN" sz="1600" dirty="0">
+              <a:latin typeface="Consolas" panose="020B0609020204030204" pitchFamily="49" charset="0"/>
+              <a:ea typeface="微软雅黑" panose="020B0503020204020204" pitchFamily="34" charset="-122"/>
+              <a:cs typeface="Calibri" panose="020F0502020204030204" pitchFamily="34" charset="0"/>
+            </a:endParaRPr>
+          </a:p>
+          <a:p>
+            <a:pPr marL="1428750" lvl="2" indent="-285750">
+              <a:buFont typeface="Wingdings" panose="05000000000000000000" pitchFamily="2" charset="2"/>
+              <a:buChar char="p"/>
+            </a:pPr>
+            <a:r>
+              <a:rPr lang="zh-CN" altLang="en-US" sz="1600" dirty="0">
+                <a:latin typeface="Consolas" panose="020B0609020204030204" pitchFamily="49" charset="0"/>
+                <a:ea typeface="微软雅黑" panose="020B0503020204020204" pitchFamily="34" charset="-122"/>
+                <a:cs typeface="Calibri" panose="020F0502020204030204" pitchFamily="34" charset="0"/>
+              </a:rPr>
+              <a:t>如何模拟多个线程之间的切换</a:t>
+            </a:r>
+            <a:endParaRPr lang="en-US" altLang="zh-CN" sz="1600" dirty="0">
+              <a:latin typeface="Consolas" panose="020B0609020204030204" pitchFamily="49" charset="0"/>
+              <a:ea typeface="微软雅黑" panose="020B0503020204020204" pitchFamily="34" charset="-122"/>
+              <a:cs typeface="Calibri" panose="020F0502020204030204" pitchFamily="34" charset="0"/>
+            </a:endParaRPr>
+          </a:p>
+          <a:p>
+            <a:pPr marL="1428750" lvl="2" indent="-285750">
+              <a:buFont typeface="Wingdings" panose="05000000000000000000" pitchFamily="2" charset="2"/>
+              <a:buChar char="p"/>
+            </a:pPr>
+            <a:r>
+              <a:rPr lang="zh-CN" altLang="en-US" sz="1600" dirty="0">
+                <a:latin typeface="Consolas" panose="020B0609020204030204" pitchFamily="49" charset="0"/>
+                <a:ea typeface="微软雅黑" panose="020B0503020204020204" pitchFamily="34" charset="-122"/>
+                <a:cs typeface="Calibri" panose="020F0502020204030204" pitchFamily="34" charset="0"/>
+              </a:rPr>
+              <a:t>建议稍微修改硬件，将当前执行的线程的</a:t>
+            </a:r>
+            <a:r>
+              <a:rPr lang="en-US" altLang="zh-CN" sz="1600" dirty="0">
+                <a:latin typeface="Consolas" panose="020B0609020204030204" pitchFamily="49" charset="0"/>
+                <a:ea typeface="微软雅黑" panose="020B0503020204020204" pitchFamily="34" charset="-122"/>
+                <a:cs typeface="Calibri" panose="020F0502020204030204" pitchFamily="34" charset="0"/>
+              </a:rPr>
+              <a:t>ID</a:t>
+            </a:r>
+            <a:r>
+              <a:rPr lang="zh-CN" altLang="en-US" sz="1600" dirty="0">
+                <a:latin typeface="Consolas" panose="020B0609020204030204" pitchFamily="49" charset="0"/>
+                <a:ea typeface="微软雅黑" panose="020B0503020204020204" pitchFamily="34" charset="-122"/>
+                <a:cs typeface="Calibri" panose="020F0502020204030204" pitchFamily="34" charset="0"/>
+              </a:rPr>
+              <a:t>存到某个专用寄存器当中</a:t>
+            </a:r>
+            <a:endParaRPr lang="en-US" altLang="zh-CN" sz="1600" dirty="0">
+              <a:latin typeface="Consolas" panose="020B0609020204030204" pitchFamily="49" charset="0"/>
+              <a:ea typeface="微软雅黑" panose="020B0503020204020204" pitchFamily="34" charset="-122"/>
+              <a:cs typeface="Calibri" panose="020F0502020204030204" pitchFamily="34" charset="0"/>
+            </a:endParaRPr>
+          </a:p>
+          <a:p>
+            <a:pPr marL="1428750" lvl="2" indent="-285750">
+              <a:buFont typeface="Wingdings" panose="05000000000000000000" pitchFamily="2" charset="2"/>
+              <a:buChar char="p"/>
+            </a:pPr>
+            <a:r>
+              <a:rPr lang="zh-CN" altLang="en-US" sz="1600" dirty="0">
+                <a:latin typeface="Consolas" panose="020B0609020204030204" pitchFamily="49" charset="0"/>
+                <a:ea typeface="微软雅黑" panose="020B0503020204020204" pitchFamily="34" charset="-122"/>
+                <a:cs typeface="Calibri" panose="020F0502020204030204" pitchFamily="34" charset="0"/>
+              </a:rPr>
+              <a:t>线程如何切换，切换的策略</a:t>
+            </a:r>
+            <a:r>
+              <a:rPr lang="en-US" altLang="zh-CN" sz="1600" dirty="0">
+                <a:latin typeface="Consolas" panose="020B0609020204030204" pitchFamily="49" charset="0"/>
+                <a:ea typeface="微软雅黑" panose="020B0503020204020204" pitchFamily="34" charset="-122"/>
+                <a:cs typeface="Calibri" panose="020F0502020204030204" pitchFamily="34" charset="0"/>
+              </a:rPr>
+              <a:t>(</a:t>
+            </a:r>
+            <a:r>
+              <a:rPr lang="zh-CN" altLang="en-US" sz="1600" dirty="0">
+                <a:latin typeface="Consolas" panose="020B0609020204030204" pitchFamily="49" charset="0"/>
+                <a:ea typeface="微软雅黑" panose="020B0503020204020204" pitchFamily="34" charset="-122"/>
+                <a:cs typeface="Calibri" panose="020F0502020204030204" pitchFamily="34" charset="0"/>
+              </a:rPr>
+              <a:t>轮询 </a:t>
+            </a:r>
+            <a:r>
+              <a:rPr lang="en-US" altLang="zh-CN" sz="1600" dirty="0">
+                <a:latin typeface="Consolas" panose="020B0609020204030204" pitchFamily="49" charset="0"/>
+                <a:ea typeface="微软雅黑" panose="020B0503020204020204" pitchFamily="34" charset="-122"/>
+                <a:cs typeface="Calibri" panose="020F0502020204030204" pitchFamily="34" charset="0"/>
+              </a:rPr>
+              <a:t>or </a:t>
+            </a:r>
+            <a:r>
+              <a:rPr lang="zh-CN" altLang="en-US" sz="1600" dirty="0">
+                <a:latin typeface="Consolas" panose="020B0609020204030204" pitchFamily="49" charset="0"/>
+                <a:ea typeface="微软雅黑" panose="020B0503020204020204" pitchFamily="34" charset="-122"/>
+                <a:cs typeface="Calibri" panose="020F0502020204030204" pitchFamily="34" charset="0"/>
+              </a:rPr>
+              <a:t>带权的任务调度</a:t>
+            </a:r>
+            <a:r>
+              <a:rPr lang="en-US" altLang="zh-CN" sz="1600" dirty="0">
+                <a:latin typeface="Consolas" panose="020B0609020204030204" pitchFamily="49" charset="0"/>
+                <a:ea typeface="微软雅黑" panose="020B0503020204020204" pitchFamily="34" charset="-122"/>
+                <a:cs typeface="Calibri" panose="020F0502020204030204" pitchFamily="34" charset="0"/>
+              </a:rPr>
+              <a:t>)</a:t>
+            </a:r>
           </a:p>
         </p:txBody>
       </p:sp>
@@ -16316,7 +16580,64 @@
                 <a:ea typeface="微软雅黑" panose="020B0503020204020204" pitchFamily="34" charset="-122"/>
                 <a:cs typeface="Calibri" panose="020F0502020204030204" pitchFamily="34" charset="0"/>
               </a:rPr>
-              <a:t>完成自定义指令的添加</a:t>
+              <a:t>希望可以负责软件相关的工作，比如添加时间语义指令</a:t>
+            </a:r>
+            <a:endParaRPr lang="en-US" altLang="zh-CN" sz="1600" dirty="0">
+              <a:latin typeface="Consolas" panose="020B0609020204030204" pitchFamily="49" charset="0"/>
+              <a:ea typeface="微软雅黑" panose="020B0503020204020204" pitchFamily="34" charset="-122"/>
+              <a:cs typeface="Calibri" panose="020F0502020204030204" pitchFamily="34" charset="0"/>
+            </a:endParaRPr>
+          </a:p>
+          <a:p>
+            <a:pPr marL="514350" indent="-285750">
+              <a:buFont typeface="Wingdings" panose="05000000000000000000" pitchFamily="2" charset="2"/>
+              <a:buChar char="p"/>
+            </a:pPr>
+            <a:r>
+              <a:rPr lang="zh-CN" altLang="en-US" sz="1600" dirty="0">
+                <a:latin typeface="Consolas" panose="020B0609020204030204" pitchFamily="49" charset="0"/>
+                <a:ea typeface="微软雅黑" panose="020B0503020204020204" pitchFamily="34" charset="-122"/>
+                <a:cs typeface="Calibri" panose="020F0502020204030204" pitchFamily="34" charset="0"/>
+              </a:rPr>
+              <a:t>感觉目前的要求还不是很明确，关于我们最终需要实现的小车功能希望可以有更加详细的需求文档</a:t>
+            </a:r>
+            <a:endParaRPr lang="en-US" altLang="zh-CN" sz="1600" dirty="0">
+              <a:latin typeface="Consolas" panose="020B0609020204030204" pitchFamily="49" charset="0"/>
+              <a:ea typeface="微软雅黑" panose="020B0503020204020204" pitchFamily="34" charset="-122"/>
+              <a:cs typeface="Calibri" panose="020F0502020204030204" pitchFamily="34" charset="0"/>
+            </a:endParaRPr>
+          </a:p>
+          <a:p>
+            <a:pPr marL="971550" lvl="1" indent="-285750">
+              <a:buFont typeface="Wingdings" panose="05000000000000000000" pitchFamily="2" charset="2"/>
+              <a:buChar char="p"/>
+            </a:pPr>
+            <a:r>
+              <a:rPr lang="zh-CN" altLang="en-US" sz="1600" dirty="0">
+                <a:latin typeface="Consolas" panose="020B0609020204030204" pitchFamily="49" charset="0"/>
+                <a:ea typeface="微软雅黑" panose="020B0503020204020204" pitchFamily="34" charset="-122"/>
+                <a:cs typeface="Calibri" panose="020F0502020204030204" pitchFamily="34" charset="0"/>
+              </a:rPr>
+              <a:t>比如：时间控制要达到什么层次，最终需要实现什么功能</a:t>
+            </a:r>
+            <a:endParaRPr lang="en-US" altLang="zh-CN" sz="1600" dirty="0">
+              <a:latin typeface="Consolas" panose="020B0609020204030204" pitchFamily="49" charset="0"/>
+              <a:ea typeface="微软雅黑" panose="020B0503020204020204" pitchFamily="34" charset="-122"/>
+              <a:cs typeface="Calibri" panose="020F0502020204030204" pitchFamily="34" charset="0"/>
+            </a:endParaRPr>
+          </a:p>
+          <a:p>
+            <a:pPr marL="514350" indent="-285750">
+              <a:buFont typeface="Wingdings" panose="05000000000000000000" pitchFamily="2" charset="2"/>
+              <a:buChar char="p"/>
+            </a:pPr>
+            <a:r>
+              <a:rPr lang="zh-CN" altLang="en-US" sz="1600" dirty="0">
+                <a:latin typeface="Consolas" panose="020B0609020204030204" pitchFamily="49" charset="0"/>
+                <a:ea typeface="微软雅黑" panose="020B0503020204020204" pitchFamily="34" charset="-122"/>
+                <a:cs typeface="Calibri" panose="020F0502020204030204" pitchFamily="34" charset="0"/>
+              </a:rPr>
+              <a:t>阅读小车控制的代码</a:t>
             </a:r>
             <a:endParaRPr lang="en-US" altLang="zh-CN" sz="1600" dirty="0">
               <a:latin typeface="Consolas" panose="020B0609020204030204" pitchFamily="49" charset="0"/>
@@ -16360,7 +16681,7 @@
                 <a:latin typeface="微软雅黑" panose="020B0503020204020204" pitchFamily="34" charset="-122"/>
                 <a:ea typeface="微软雅黑" panose="020B0503020204020204" pitchFamily="34" charset="-122"/>
               </a:rPr>
-              <a:t>下周工作计划</a:t>
+              <a:t>后期工作计划</a:t>
             </a:r>
             <a:endParaRPr lang="zh-CN" altLang="en-US" sz="1600" dirty="0">
               <a:latin typeface="微软雅黑" panose="020B0503020204020204" pitchFamily="34" charset="-122"/>
